--- a/cmsc125/ostep/slides/01.Virtualization/13.The_Abstraction_Address_Space.pptx
+++ b/cmsc125/ostep/slides/01.Virtualization/13.The_Abstraction_Address_Space.pptx
@@ -5,7 +5,7 @@
     <p:sldMasterId id="2147483670" r:id="rId1"/>
   </p:sldMasterIdLst>
   <p:notesMasterIdLst>
-    <p:notesMasterId r:id="rId14"/>
+    <p:notesMasterId r:id="rId15"/>
   </p:notesMasterIdLst>
   <p:sldIdLst>
     <p:sldId id="298" r:id="rId2"/>
@@ -20,6 +20,7 @@
     <p:sldId id="275" r:id="rId11"/>
     <p:sldId id="276" r:id="rId12"/>
     <p:sldId id="277" r:id="rId13"/>
+    <p:sldId id="299" r:id="rId14"/>
   </p:sldIdLst>
   <p:sldSz cx="12192000" cy="6858000"/>
   <p:notesSz cx="6797675" cy="9928225"/>
@@ -249,7 +250,7 @@
           <a:p>
             <a:fld id="{050F0499-AE52-4672-879B-3107B2FC2A9F}" type="datetimeFigureOut">
               <a:rPr lang="ko-KR" altLang="en-US" smtClean="0"/>
-              <a:t>2021-07-20</a:t>
+              <a:t>2021-09-19</a:t>
             </a:fld>
             <a:endParaRPr lang="ko-KR" altLang="en-US"/>
           </a:p>
@@ -1659,7 +1660,7 @@
           <a:p>
             <a:r>
               <a:rPr lang="en-US" altLang="ko-KR" dirty="0"/>
-              <a:t>Address Space(Cont.)</a:t>
+              <a:t>Abstraction: Address Space(Cont.)</a:t>
             </a:r>
             <a:endParaRPr lang="ko-KR" altLang="en-US" dirty="0"/>
           </a:p>
@@ -1707,21 +1708,7 @@
             <a:pPr lvl="1"/>
             <a:r>
               <a:rPr lang="en-US" altLang="ko-KR" dirty="0"/>
-              <a:t>Dynamically allocate memory.</a:t>
-            </a:r>
-          </a:p>
-          <a:p>
-            <a:pPr lvl="2"/>
-            <a:r>
-              <a:rPr lang="en-US" altLang="ko-KR" dirty="0" err="1">
-                <a:latin typeface="Courier New" pitchFamily="49" charset="0"/>
-                <a:cs typeface="Courier New" pitchFamily="49" charset="0"/>
-              </a:rPr>
-              <a:t>malloc</a:t>
-            </a:r>
-            <a:r>
-              <a:rPr lang="en-US" altLang="ko-KR" dirty="0"/>
-              <a:t> in C language</a:t>
+              <a:t>Dynamically allocate memory</a:t>
             </a:r>
           </a:p>
           <a:p>
@@ -1731,6 +1718,20 @@
                 <a:latin typeface="Courier New" pitchFamily="49" charset="0"/>
                 <a:cs typeface="Courier New" pitchFamily="49" charset="0"/>
               </a:rPr>
+              <a:t>malloc()</a:t>
+            </a:r>
+            <a:r>
+              <a:rPr lang="en-US" altLang="ko-KR" dirty="0"/>
+              <a:t> in C language</a:t>
+            </a:r>
+          </a:p>
+          <a:p>
+            <a:pPr lvl="2"/>
+            <a:r>
+              <a:rPr lang="en-US" altLang="ko-KR" dirty="0">
+                <a:latin typeface="Courier New" pitchFamily="49" charset="0"/>
+                <a:cs typeface="Courier New" pitchFamily="49" charset="0"/>
+              </a:rPr>
               <a:t>new</a:t>
             </a:r>
             <a:r>
@@ -1748,14 +1749,42 @@
             <a:pPr lvl="1"/>
             <a:r>
               <a:rPr lang="en-US" altLang="ko-KR" dirty="0"/>
-              <a:t>Store return addresses or values.</a:t>
+              <a:t>Stores </a:t>
+            </a:r>
+            <a:r>
+              <a:rPr lang="en-US" altLang="ko-KR" u="sng" dirty="0"/>
+              <a:t>return addresses</a:t>
+            </a:r>
+            <a:r>
+              <a:rPr lang="en-US" altLang="ko-KR" dirty="0"/>
+              <a:t> during function calls or </a:t>
+            </a:r>
+            <a:r>
+              <a:rPr lang="en-US" altLang="ko-KR" u="sng" dirty="0"/>
+              <a:t>return values</a:t>
             </a:r>
           </a:p>
           <a:p>
             <a:pPr lvl="1"/>
             <a:r>
               <a:rPr lang="en-US" altLang="ko-KR" dirty="0"/>
-              <a:t>Contain local variables arguments to routines.</a:t>
+              <a:t>Contains </a:t>
+            </a:r>
+            <a:r>
+              <a:rPr lang="en-US" altLang="ko-KR" u="sng" dirty="0"/>
+              <a:t>local variables</a:t>
+            </a:r>
+            <a:r>
+              <a:rPr lang="en-US" altLang="ko-KR" dirty="0"/>
+              <a:t>, </a:t>
+            </a:r>
+            <a:r>
+              <a:rPr lang="en-US" altLang="ko-KR" u="sng" dirty="0"/>
+              <a:t>actual parameters</a:t>
+            </a:r>
+            <a:r>
+              <a:rPr lang="en-US" altLang="ko-KR" dirty="0"/>
+              <a:t> to functions</a:t>
             </a:r>
           </a:p>
           <a:p>
@@ -2273,7 +2302,7 @@
           <a:p>
             <a:r>
               <a:rPr lang="en-US" altLang="ko-KR" dirty="0"/>
-              <a:t>Virtual Address</a:t>
+              <a:t>The Virtual Address</a:t>
             </a:r>
             <a:endParaRPr lang="ko-KR" altLang="en-US" dirty="0"/>
           </a:p>
@@ -2300,14 +2329,36 @@
             </a:r>
             <a:r>
               <a:rPr lang="en-US" altLang="ko-KR" dirty="0"/>
-              <a:t> in a running program is virtual.</a:t>
+              <a:t> in a running program(a process) is virtual!!</a:t>
             </a:r>
           </a:p>
           <a:p>
             <a:pPr lvl="1"/>
             <a:r>
               <a:rPr lang="en-US" altLang="ko-KR" dirty="0"/>
-              <a:t>OS translates the virtual address to physical address</a:t>
+              <a:t>OS translates the </a:t>
+            </a:r>
+            <a:r>
+              <a:rPr lang="en-US" altLang="ko-KR" u="sng" dirty="0">
+                <a:solidFill>
+                  <a:srgbClr val="FF0000"/>
+                </a:solidFill>
+              </a:rPr>
+              <a:t>virtual address</a:t>
+            </a:r>
+            <a:r>
+              <a:rPr lang="en-US" altLang="ko-KR" dirty="0"/>
+              <a:t> to </a:t>
+            </a:r>
+            <a:r>
+              <a:rPr lang="en-US" altLang="ko-KR" u="sng" dirty="0">
+                <a:solidFill>
+                  <a:schemeClr val="accent6">
+                    <a:lumMod val="75000"/>
+                  </a:schemeClr>
+                </a:solidFill>
+              </a:rPr>
+              <a:t>physical address</a:t>
             </a:r>
           </a:p>
           <a:p>
@@ -3031,7 +3082,17 @@
                 <a:latin typeface="맑은 고딕" pitchFamily="50" charset="-127"/>
                 <a:ea typeface="맑은 고딕" pitchFamily="50" charset="-127"/>
               </a:rPr>
-              <a:t>A simple program that prints out addresses</a:t>
+              <a:t>A simple program that prints out </a:t>
+            </a:r>
+            <a:r>
+              <a:rPr lang="en-US" altLang="ko-KR" sz="1600" b="1" dirty="0">
+                <a:solidFill>
+                  <a:srgbClr val="FF0000"/>
+                </a:solidFill>
+                <a:latin typeface="맑은 고딕" pitchFamily="50" charset="-127"/>
+                <a:ea typeface="맑은 고딕" pitchFamily="50" charset="-127"/>
+              </a:rPr>
+              <a:t>virtual addresses</a:t>
             </a:r>
           </a:p>
         </p:txBody>
@@ -4202,6 +4263,184 @@
 </p:sld>
 </file>
 
+<file path=ppt/slides/slide13.xml><?xml version="1.0" encoding="utf-8"?>
+<p:sld xmlns:a="http://schemas.openxmlformats.org/drawingml/2006/main" xmlns:r="http://schemas.openxmlformats.org/officeDocument/2006/relationships" xmlns:p="http://schemas.openxmlformats.org/presentationml/2006/main">
+  <p:cSld>
+    <p:spTree>
+      <p:nvGrpSpPr>
+        <p:cNvPr id="1" name=""/>
+        <p:cNvGrpSpPr/>
+        <p:nvPr/>
+      </p:nvGrpSpPr>
+      <p:grpSpPr>
+        <a:xfrm>
+          <a:off x="0" y="0"/>
+          <a:ext cx="0" cy="0"/>
+          <a:chOff x="0" y="0"/>
+          <a:chExt cx="0" cy="0"/>
+        </a:xfrm>
+      </p:grpSpPr>
+      <p:sp>
+        <p:nvSpPr>
+          <p:cNvPr id="3" name="Title 2">
+            <a:extLst>
+              <a:ext uri="{FF2B5EF4-FFF2-40B4-BE49-F238E27FC236}">
+                <a16:creationId xmlns:a16="http://schemas.microsoft.com/office/drawing/2014/main" id="{93A52A81-8A3F-415F-A764-495D782BB6EF}"/>
+              </a:ext>
+            </a:extLst>
+          </p:cNvPr>
+          <p:cNvSpPr>
+            <a:spLocks noGrp="1"/>
+          </p:cNvSpPr>
+          <p:nvPr>
+            <p:ph type="title"/>
+          </p:nvPr>
+        </p:nvSpPr>
+        <p:spPr/>
+        <p:txBody>
+          <a:bodyPr/>
+          <a:lstStyle/>
+          <a:p>
+            <a:r>
+              <a:rPr lang="en-US" dirty="0"/>
+              <a:t>Goals for a Virtual Memory system</a:t>
+            </a:r>
+            <a:endParaRPr lang="en-PH" dirty="0"/>
+          </a:p>
+        </p:txBody>
+      </p:sp>
+      <p:sp>
+        <p:nvSpPr>
+          <p:cNvPr id="4" name="Content Placeholder 3">
+            <a:extLst>
+              <a:ext uri="{FF2B5EF4-FFF2-40B4-BE49-F238E27FC236}">
+                <a16:creationId xmlns:a16="http://schemas.microsoft.com/office/drawing/2014/main" id="{AE05380A-DDA7-4668-AAD7-2AF2866BA398}"/>
+              </a:ext>
+            </a:extLst>
+          </p:cNvPr>
+          <p:cNvSpPr>
+            <a:spLocks noGrp="1"/>
+          </p:cNvSpPr>
+          <p:nvPr>
+            <p:ph idx="1"/>
+          </p:nvPr>
+        </p:nvSpPr>
+        <p:spPr/>
+        <p:txBody>
+          <a:bodyPr/>
+          <a:lstStyle/>
+          <a:p>
+            <a:pPr marL="457200" indent="-457200">
+              <a:buFont typeface="+mj-lt"/>
+              <a:buAutoNum type="arabicPeriod"/>
+            </a:pPr>
+            <a:r>
+              <a:rPr lang="en-US" b="1" dirty="0"/>
+              <a:t>Transparency</a:t>
+            </a:r>
+          </a:p>
+          <a:p>
+            <a:pPr marL="857250" lvl="1" indent="-457200"/>
+            <a:r>
+              <a:rPr lang="en-US" dirty="0"/>
+              <a:t>implementation should be invisible to a process</a:t>
+            </a:r>
+          </a:p>
+          <a:p>
+            <a:pPr marL="857250" lvl="1" indent="-457200"/>
+            <a:r>
+              <a:rPr lang="en-US" dirty="0"/>
+              <a:t>Process behaves as if it has its own private physical memory</a:t>
+            </a:r>
+          </a:p>
+          <a:p>
+            <a:pPr marL="457200" indent="-457200">
+              <a:buFont typeface="+mj-lt"/>
+              <a:buAutoNum type="arabicPeriod"/>
+            </a:pPr>
+            <a:r>
+              <a:rPr lang="en-US" b="1" dirty="0"/>
+              <a:t>Efficiency</a:t>
+            </a:r>
+          </a:p>
+          <a:p>
+            <a:pPr marL="857250" lvl="1" indent="-457200"/>
+            <a:r>
+              <a:rPr lang="en-US" dirty="0"/>
+              <a:t>In terms of time(not make processes run slowly) and space(not much overhead in memory use)</a:t>
+            </a:r>
+          </a:p>
+          <a:p>
+            <a:pPr marL="857250" lvl="1" indent="-457200"/>
+            <a:r>
+              <a:rPr lang="en-US" dirty="0"/>
+              <a:t>Will need to rely on hardware support (TLBs, </a:t>
+            </a:r>
+            <a:r>
+              <a:rPr lang="en-US" dirty="0" err="1"/>
+              <a:t>etc</a:t>
+            </a:r>
+            <a:r>
+              <a:rPr lang="en-US" dirty="0"/>
+              <a:t>)</a:t>
+            </a:r>
+          </a:p>
+          <a:p>
+            <a:pPr marL="457200" indent="-457200">
+              <a:buFont typeface="+mj-lt"/>
+              <a:buAutoNum type="arabicPeriod"/>
+            </a:pPr>
+            <a:r>
+              <a:rPr lang="en-US" b="1" dirty="0"/>
+              <a:t>Protection and Isolation</a:t>
+            </a:r>
+          </a:p>
+          <a:p>
+            <a:pPr marL="857250" lvl="1" indent="-457200"/>
+            <a:r>
+              <a:rPr lang="en-US" dirty="0"/>
+              <a:t>Prevent a user process from accessing other user processes, or the kernel</a:t>
+            </a:r>
+          </a:p>
+          <a:p>
+            <a:pPr marL="857250" lvl="1" indent="-457200">
+              <a:buFont typeface="+mj-lt"/>
+              <a:buAutoNum type="arabicPeriod"/>
+            </a:pPr>
+            <a:endParaRPr lang="en-US" dirty="0"/>
+          </a:p>
+          <a:p>
+            <a:pPr marL="857250" lvl="1" indent="-457200">
+              <a:buFont typeface="+mj-lt"/>
+              <a:buAutoNum type="arabicPeriod"/>
+            </a:pPr>
+            <a:endParaRPr lang="en-US" dirty="0"/>
+          </a:p>
+          <a:p>
+            <a:pPr marL="457200" indent="-457200">
+              <a:buFont typeface="+mj-lt"/>
+              <a:buAutoNum type="arabicPeriod"/>
+            </a:pPr>
+            <a:endParaRPr lang="en-PH" dirty="0"/>
+          </a:p>
+        </p:txBody>
+      </p:sp>
+    </p:spTree>
+    <p:extLst>
+      <p:ext uri="{BB962C8B-B14F-4D97-AF65-F5344CB8AC3E}">
+        <p14:creationId xmlns:p14="http://schemas.microsoft.com/office/powerpoint/2010/main" val="727568863"/>
+      </p:ext>
+    </p:extLst>
+  </p:cSld>
+  <p:clrMapOvr>
+    <a:masterClrMapping/>
+  </p:clrMapOvr>
+  <p:transition>
+    <p:zoom/>
+  </p:transition>
+</p:sld>
+</file>
+
 <file path=ppt/slides/slide2.xml><?xml version="1.0" encoding="utf-8"?>
 <p:sld xmlns:a="http://schemas.openxmlformats.org/drawingml/2006/main" xmlns:r="http://schemas.openxmlformats.org/officeDocument/2006/relationships" xmlns:p="http://schemas.openxmlformats.org/presentationml/2006/main">
   <p:cSld>
@@ -4629,7 +4868,7 @@
             <a:pPr lvl="1"/>
             <a:r>
               <a:rPr lang="en-US" altLang="ko-KR" dirty="0"/>
-              <a:t>OS virtualizes its physical memory.</a:t>
+              <a:t>OS virtualizes its physical memory</a:t>
             </a:r>
             <a:endParaRPr lang="en-US" altLang="ko-KR" b="0" dirty="0"/>
           </a:p>
@@ -4649,7 +4888,7 @@
             </a:r>
             <a:r>
               <a:rPr lang="en-US" altLang="ko-KR" dirty="0"/>
-              <a:t>per each process.</a:t>
+              <a:t>per process</a:t>
             </a:r>
           </a:p>
           <a:p>
@@ -4668,7 +4907,7 @@
             </a:r>
             <a:r>
               <a:rPr lang="en-US" altLang="ko-KR" dirty="0"/>
-              <a:t> .</a:t>
+              <a:t> </a:t>
             </a:r>
             <a:endParaRPr lang="en-US" altLang="ko-KR" sz="1600" dirty="0"/>
           </a:p>
@@ -4727,7 +4966,7 @@
           <a:p>
             <a:r>
               <a:rPr lang="en-US" altLang="ko-KR" dirty="0"/>
-              <a:t>Benefit of Memory Virtualization</a:t>
+              <a:t>Benefits of Memory Virtualization</a:t>
             </a:r>
             <a:endParaRPr lang="ko-KR" altLang="en-US" dirty="0"/>
           </a:p>
@@ -4764,7 +5003,7 @@
                   <a:schemeClr val="accent1"/>
                 </a:solidFill>
               </a:rPr>
-              <a:t>times</a:t>
+              <a:t>time</a:t>
             </a:r>
             <a:r>
               <a:rPr lang="en-US" altLang="ko-KR" dirty="0"/>
@@ -4861,7 +5100,7 @@
           <a:p>
             <a:r>
               <a:rPr lang="en-US" altLang="ko-KR" dirty="0"/>
-              <a:t>OS in The Early System</a:t>
+              <a:t>OS in early systems</a:t>
             </a:r>
             <a:endParaRPr lang="ko-KR" altLang="en-US" dirty="0"/>
           </a:p>
@@ -4889,14 +5128,49 @@
           <a:p>
             <a:r>
               <a:rPr lang="en-US" altLang="ko-KR" dirty="0"/>
-              <a:t>Load only one process in memory.</a:t>
+              <a:t>OS is just a library</a:t>
+            </a:r>
+          </a:p>
+          <a:p>
+            <a:r>
+              <a:rPr lang="en-US" altLang="ko-KR" dirty="0"/>
+              <a:t>Load </a:t>
+            </a:r>
+            <a:r>
+              <a:rPr lang="en-US" altLang="ko-KR" u="sng" dirty="0"/>
+              <a:t>only one process</a:t>
+            </a:r>
+            <a:r>
+              <a:rPr lang="en-US" altLang="ko-KR" dirty="0"/>
+              <a:t> in memory</a:t>
             </a:r>
           </a:p>
           <a:p>
             <a:pPr lvl="1"/>
             <a:r>
               <a:rPr lang="en-US" altLang="ko-KR" dirty="0"/>
-              <a:t>Poor utilization and efficiency</a:t>
+              <a:t>Executes until completion</a:t>
+            </a:r>
+          </a:p>
+          <a:p>
+            <a:pPr lvl="1"/>
+            <a:r>
+              <a:rPr lang="en-US" altLang="ko-KR" dirty="0"/>
+              <a:t>Poor CPU utilization and memory efficiency</a:t>
+            </a:r>
+          </a:p>
+          <a:p>
+            <a:pPr lvl="2"/>
+            <a:r>
+              <a:rPr lang="en-US" altLang="ko-KR" dirty="0"/>
+              <a:t>CPU is idle when process is doing I/O</a:t>
+            </a:r>
+          </a:p>
+          <a:p>
+            <a:pPr lvl="2"/>
+            <a:r>
+              <a:rPr lang="en-US" altLang="ko-KR" dirty="0"/>
+              <a:t>Other processes can fit in memory</a:t>
             </a:r>
           </a:p>
           <a:p>
@@ -4943,7 +5217,7 @@
         </p:nvGrpSpPr>
         <p:grpSpPr>
           <a:xfrm>
-            <a:off x="4511824" y="1988840"/>
+            <a:off x="6850399" y="1268760"/>
             <a:ext cx="2376264" cy="4176464"/>
             <a:chOff x="581763" y="1412776"/>
             <a:chExt cx="1974013" cy="4176464"/>
@@ -5270,7 +5544,7 @@
         </p:nvSpPr>
         <p:spPr>
           <a:xfrm>
-            <a:off x="5197585" y="6073552"/>
+            <a:off x="7536160" y="5353472"/>
             <a:ext cx="1800200" cy="307777"/>
           </a:xfrm>
           <a:prstGeom prst="rect">
@@ -5385,53 +5659,56 @@
             </a:r>
             <a:r>
               <a:rPr lang="en-US" altLang="ko-KR" dirty="0"/>
-              <a:t>in memory.</a:t>
+              <a:t>in memory</a:t>
             </a:r>
           </a:p>
           <a:p>
             <a:pPr lvl="1"/>
             <a:r>
               <a:rPr lang="en-US" altLang="ko-KR" dirty="0"/>
-              <a:t>Execute one for a short while.</a:t>
+              <a:t>Execute one for a short while</a:t>
             </a:r>
           </a:p>
           <a:p>
             <a:pPr lvl="1"/>
             <a:r>
               <a:rPr lang="en-US" altLang="ko-KR" dirty="0"/>
-              <a:t>Switch processes between them in memory.</a:t>
+              <a:t>Switch between processes in memory</a:t>
             </a:r>
           </a:p>
           <a:p>
             <a:pPr lvl="1"/>
             <a:r>
               <a:rPr lang="en-US" altLang="ko-KR" dirty="0"/>
-              <a:t>Increase utilization and efficiency.</a:t>
-            </a:r>
-          </a:p>
-          <a:p>
-            <a:pPr lvl="1"/>
-            <a:endParaRPr lang="en-US" altLang="ko-KR" dirty="0"/>
+              <a:t>Result: Increases CPU utilization and memory efficiency</a:t>
+            </a:r>
           </a:p>
           <a:p>
             <a:r>
               <a:rPr lang="en-US" altLang="ko-KR" dirty="0"/>
-              <a:t>Cause an important </a:t>
+              <a:t>Systems became more interactive compared to doing just batch-processing</a:t>
+            </a:r>
+          </a:p>
+          <a:p>
+            <a:r>
+              <a:rPr lang="en-US" altLang="ko-KR" dirty="0"/>
+              <a:t>Introduces an important </a:t>
             </a:r>
             <a:r>
               <a:rPr lang="en-US" altLang="ko-KR" b="1" dirty="0"/>
               <a:t>protection issue</a:t>
             </a:r>
-            <a:r>
-              <a:rPr lang="en-US" altLang="ko-KR" dirty="0"/>
-              <a:t>.</a:t>
-            </a:r>
+            <a:endParaRPr lang="en-US" altLang="ko-KR" dirty="0"/>
           </a:p>
           <a:p>
             <a:pPr lvl="1"/>
             <a:r>
-              <a:rPr lang="en-US" altLang="ko-KR" dirty="0"/>
-              <a:t>Errant memory accesses from other processes</a:t>
+              <a:rPr lang="en-US" altLang="ko-KR" dirty="0">
+                <a:solidFill>
+                  <a:srgbClr val="FF0000"/>
+                </a:solidFill>
+              </a:rPr>
+              <a:t>What if a user process accesses another user process, or the kernel??!!</a:t>
             </a:r>
           </a:p>
           <a:p>
@@ -6579,7 +6856,7 @@
           <a:p>
             <a:r>
               <a:rPr lang="en-US" altLang="ko-KR" dirty="0"/>
-              <a:t>Address Space</a:t>
+              <a:t>Abstraction: Address Space</a:t>
             </a:r>
             <a:endParaRPr lang="ko-KR" altLang="en-US" dirty="0"/>
           </a:p>
@@ -6615,21 +6892,75 @@
             </a:r>
             <a:r>
               <a:rPr lang="en-US" altLang="ko-KR" dirty="0"/>
-              <a:t> of physical memory.</a:t>
+              <a:t> of physical memory</a:t>
             </a:r>
           </a:p>
           <a:p>
             <a:pPr lvl="1"/>
             <a:r>
               <a:rPr lang="en-US" altLang="ko-KR" dirty="0"/>
-              <a:t>The address space contains all about a running process.</a:t>
+              <a:t>The address space/mapping contains information all about a running process</a:t>
             </a:r>
           </a:p>
           <a:p>
             <a:pPr lvl="1"/>
             <a:r>
               <a:rPr lang="en-US" altLang="ko-KR" dirty="0"/>
-              <a:t>That is consist of program code, heap, stack and etc.</a:t>
+              <a:t>A running program’s(process) </a:t>
+            </a:r>
+            <a:r>
+              <a:rPr lang="en-US" altLang="ko-KR" dirty="0">
+                <a:solidFill>
+                  <a:srgbClr val="FF0000"/>
+                </a:solidFill>
+              </a:rPr>
+              <a:t>own view</a:t>
+            </a:r>
+            <a:r>
+              <a:rPr lang="en-US" altLang="ko-KR" dirty="0"/>
+              <a:t> of memory, its </a:t>
+            </a:r>
+            <a:r>
+              <a:rPr lang="en-US" altLang="ko-KR" u="sng" dirty="0"/>
+              <a:t>memory state</a:t>
+            </a:r>
+          </a:p>
+          <a:p>
+            <a:pPr lvl="2"/>
+            <a:r>
+              <a:rPr lang="en-US" altLang="ko-KR" dirty="0"/>
+              <a:t>Important: may not be actual locations in physical memory!!</a:t>
+            </a:r>
+          </a:p>
+          <a:p>
+            <a:pPr lvl="1"/>
+            <a:r>
+              <a:rPr lang="en-US" altLang="ko-KR" dirty="0"/>
+              <a:t>Typically consists of </a:t>
+            </a:r>
+            <a:r>
+              <a:rPr lang="en-US" altLang="ko-KR" u="sng" dirty="0"/>
+              <a:t>program code</a:t>
+            </a:r>
+            <a:r>
+              <a:rPr lang="en-US" altLang="ko-KR" dirty="0"/>
+              <a:t>, </a:t>
+            </a:r>
+            <a:r>
+              <a:rPr lang="en-US" altLang="ko-KR" u="sng" dirty="0"/>
+              <a:t>heap</a:t>
+            </a:r>
+            <a:r>
+              <a:rPr lang="en-US" altLang="ko-KR" dirty="0"/>
+              <a:t>, </a:t>
+            </a:r>
+            <a:r>
+              <a:rPr lang="en-US" altLang="ko-KR" u="sng" dirty="0"/>
+              <a:t>stack</a:t>
+            </a:r>
+            <a:r>
+              <a:rPr lang="en-US" altLang="ko-KR" dirty="0"/>
+              <a:t>, etc.</a:t>
             </a:r>
             <a:endParaRPr lang="en-US" altLang="ko-KR" sz="1600" dirty="0"/>
           </a:p>
@@ -6646,7 +6977,7 @@
         </p:nvGrpSpPr>
         <p:grpSpPr>
           <a:xfrm>
-            <a:off x="4583833" y="2452360"/>
+            <a:off x="8603079" y="2060848"/>
             <a:ext cx="3757617" cy="3726409"/>
             <a:chOff x="3059832" y="2525414"/>
             <a:chExt cx="3757617" cy="3726409"/>
@@ -7276,8 +7607,8 @@
         </p:nvSpPr>
         <p:spPr>
           <a:xfrm>
-            <a:off x="5134592" y="6073552"/>
-            <a:ext cx="1433027" cy="307777"/>
+            <a:off x="9153838" y="5682040"/>
+            <a:ext cx="1433027" cy="523220"/>
           </a:xfrm>
           <a:prstGeom prst="rect">
             <a:avLst/>
@@ -7298,7 +7629,7 @@
                 <a:latin typeface="맑은 고딕" pitchFamily="50" charset="-127"/>
                 <a:ea typeface="맑은 고딕" pitchFamily="50" charset="-127"/>
               </a:rPr>
-              <a:t>Address Space</a:t>
+              <a:t>Address Space (16KB in total)</a:t>
             </a:r>
             <a:endParaRPr lang="ko-KR" altLang="en-US" sz="1400" b="1" dirty="0">
               <a:solidFill>
